--- a/[LOG]_BasketballPlayoffsQualification.pptx
+++ b/[LOG]_BasketballPlayoffsQualification.pptx
@@ -7,6 +7,7 @@
   <p:sldIdLst>
     <p:sldId id="256" r:id="rId2"/>
     <p:sldId id="257" r:id="rId3"/>
+    <p:sldId id="258" r:id="rId4"/>
   </p:sldIdLst>
   <p:sldSz cx="12192000" cy="6858000"/>
   <p:notesSz cx="6858000" cy="9144000"/>
@@ -105,6 +106,11 @@
       </a:defRPr>
     </a:lvl9pPr>
   </p:defaultTextStyle>
+  <p:extLst>
+    <p:ext uri="{EFAFB233-063F-42B5-8137-9DF3F51BA10A}">
+      <p15:sldGuideLst xmlns:p15="http://schemas.microsoft.com/office/powerpoint/2012/main"/>
+    </p:ext>
+  </p:extLst>
 </p:presentation>
 </file>
 
@@ -257,7 +263,7 @@
           <a:p>
             <a:fld id="{49904666-1BF9-464C-8609-50A5B9DABC2A}" type="datetimeFigureOut">
               <a:rPr lang="en-GB" smtClean="0"/>
-              <a:t>20/09/2023</a:t>
+              <a:t>27/09/2023</a:t>
             </a:fld>
             <a:endParaRPr lang="en-GB"/>
           </a:p>
@@ -457,7 +463,7 @@
           <a:p>
             <a:fld id="{49904666-1BF9-464C-8609-50A5B9DABC2A}" type="datetimeFigureOut">
               <a:rPr lang="en-GB" smtClean="0"/>
-              <a:t>20/09/2023</a:t>
+              <a:t>27/09/2023</a:t>
             </a:fld>
             <a:endParaRPr lang="en-GB"/>
           </a:p>
@@ -667,7 +673,7 @@
           <a:p>
             <a:fld id="{49904666-1BF9-464C-8609-50A5B9DABC2A}" type="datetimeFigureOut">
               <a:rPr lang="en-GB" smtClean="0"/>
-              <a:t>20/09/2023</a:t>
+              <a:t>27/09/2023</a:t>
             </a:fld>
             <a:endParaRPr lang="en-GB"/>
           </a:p>
@@ -867,7 +873,7 @@
           <a:p>
             <a:fld id="{49904666-1BF9-464C-8609-50A5B9DABC2A}" type="datetimeFigureOut">
               <a:rPr lang="en-GB" smtClean="0"/>
-              <a:t>20/09/2023</a:t>
+              <a:t>27/09/2023</a:t>
             </a:fld>
             <a:endParaRPr lang="en-GB"/>
           </a:p>
@@ -1143,7 +1149,7 @@
           <a:p>
             <a:fld id="{49904666-1BF9-464C-8609-50A5B9DABC2A}" type="datetimeFigureOut">
               <a:rPr lang="en-GB" smtClean="0"/>
-              <a:t>20/09/2023</a:t>
+              <a:t>27/09/2023</a:t>
             </a:fld>
             <a:endParaRPr lang="en-GB"/>
           </a:p>
@@ -1411,7 +1417,7 @@
           <a:p>
             <a:fld id="{49904666-1BF9-464C-8609-50A5B9DABC2A}" type="datetimeFigureOut">
               <a:rPr lang="en-GB" smtClean="0"/>
-              <a:t>20/09/2023</a:t>
+              <a:t>27/09/2023</a:t>
             </a:fld>
             <a:endParaRPr lang="en-GB"/>
           </a:p>
@@ -1826,7 +1832,7 @@
           <a:p>
             <a:fld id="{49904666-1BF9-464C-8609-50A5B9DABC2A}" type="datetimeFigureOut">
               <a:rPr lang="en-GB" smtClean="0"/>
-              <a:t>20/09/2023</a:t>
+              <a:t>27/09/2023</a:t>
             </a:fld>
             <a:endParaRPr lang="en-GB"/>
           </a:p>
@@ -1968,7 +1974,7 @@
           <a:p>
             <a:fld id="{49904666-1BF9-464C-8609-50A5B9DABC2A}" type="datetimeFigureOut">
               <a:rPr lang="en-GB" smtClean="0"/>
-              <a:t>20/09/2023</a:t>
+              <a:t>27/09/2023</a:t>
             </a:fld>
             <a:endParaRPr lang="en-GB"/>
           </a:p>
@@ -2081,7 +2087,7 @@
           <a:p>
             <a:fld id="{49904666-1BF9-464C-8609-50A5B9DABC2A}" type="datetimeFigureOut">
               <a:rPr lang="en-GB" smtClean="0"/>
-              <a:t>20/09/2023</a:t>
+              <a:t>27/09/2023</a:t>
             </a:fld>
             <a:endParaRPr lang="en-GB"/>
           </a:p>
@@ -2394,7 +2400,7 @@
           <a:p>
             <a:fld id="{49904666-1BF9-464C-8609-50A5B9DABC2A}" type="datetimeFigureOut">
               <a:rPr lang="en-GB" smtClean="0"/>
-              <a:t>20/09/2023</a:t>
+              <a:t>27/09/2023</a:t>
             </a:fld>
             <a:endParaRPr lang="en-GB"/>
           </a:p>
@@ -2683,7 +2689,7 @@
           <a:p>
             <a:fld id="{49904666-1BF9-464C-8609-50A5B9DABC2A}" type="datetimeFigureOut">
               <a:rPr lang="en-GB" smtClean="0"/>
-              <a:t>20/09/2023</a:t>
+              <a:t>27/09/2023</a:t>
             </a:fld>
             <a:endParaRPr lang="en-GB"/>
           </a:p>
@@ -2926,7 +2932,7 @@
           <a:p>
             <a:fld id="{49904666-1BF9-464C-8609-50A5B9DABC2A}" type="datetimeFigureOut">
               <a:rPr lang="en-GB" smtClean="0"/>
-              <a:t>20/09/2023</a:t>
+              <a:t>27/09/2023</a:t>
             </a:fld>
             <a:endParaRPr lang="en-GB"/>
           </a:p>
@@ -3648,13 +3654,8 @@
             </a:r>
             <a:r>
               <a:rPr lang="en-GB" dirty="0"/>
-              <a:t>, we converted the original data files. However, the resulting tables had all their columns as a ‘Text’ type. As a result, we converted each column to their original respective types. We also added the various foreign and primary keys, according to the </a:t>
-            </a:r>
-            <a:r>
-              <a:rPr lang="en-GB"/>
-              <a:t>UML diagram.</a:t>
-            </a:r>
-            <a:endParaRPr lang="en-GB" dirty="0"/>
+              <a:t>, we converted the original data files. However, the resulting tables had all their columns as a ‘Text’ type. As a result, we converted each column to their original respective types. We also added the various foreign and primary keys, according to the UML diagram.</a:t>
+            </a:r>
           </a:p>
           <a:p>
             <a:pPr marL="0" indent="0">
@@ -3668,6 +3669,274 @@
     <p:extLst>
       <p:ext uri="{BB962C8B-B14F-4D97-AF65-F5344CB8AC3E}">
         <p14:creationId xmlns:p14="http://schemas.microsoft.com/office/powerpoint/2010/main" val="2912028513"/>
+      </p:ext>
+    </p:extLst>
+  </p:cSld>
+  <p:clrMapOvr>
+    <a:masterClrMapping/>
+  </p:clrMapOvr>
+</p:sld>
+</file>
+
+<file path=ppt/slides/slide3.xml><?xml version="1.0" encoding="utf-8"?>
+<p:sld xmlns:a="http://schemas.openxmlformats.org/drawingml/2006/main" xmlns:r="http://schemas.openxmlformats.org/officeDocument/2006/relationships" xmlns:p="http://schemas.openxmlformats.org/presentationml/2006/main">
+  <p:cSld>
+    <p:spTree>
+      <p:nvGrpSpPr>
+        <p:cNvPr id="1" name=""/>
+        <p:cNvGrpSpPr/>
+        <p:nvPr/>
+      </p:nvGrpSpPr>
+      <p:grpSpPr>
+        <a:xfrm>
+          <a:off x="0" y="0"/>
+          <a:ext cx="0" cy="0"/>
+          <a:chOff x="0" y="0"/>
+          <a:chExt cx="0" cy="0"/>
+        </a:xfrm>
+      </p:grpSpPr>
+      <p:sp>
+        <p:nvSpPr>
+          <p:cNvPr id="2" name="Title 1">
+            <a:extLst>
+              <a:ext uri="{FF2B5EF4-FFF2-40B4-BE49-F238E27FC236}">
+                <a16:creationId xmlns:a16="http://schemas.microsoft.com/office/drawing/2014/main" id="{926D7186-E9EB-9A22-B8D6-53184F746B37}"/>
+              </a:ext>
+            </a:extLst>
+          </p:cNvPr>
+          <p:cNvSpPr>
+            <a:spLocks noGrp="1"/>
+          </p:cNvSpPr>
+          <p:nvPr>
+            <p:ph type="title"/>
+          </p:nvPr>
+        </p:nvSpPr>
+        <p:spPr/>
+        <p:txBody>
+          <a:bodyPr/>
+          <a:lstStyle/>
+          <a:p>
+            <a:r>
+              <a:rPr lang="pt-PT" dirty="0"/>
+              <a:t>Pipeline </a:t>
+            </a:r>
+            <a:r>
+              <a:rPr lang="pt-PT" dirty="0" err="1"/>
+              <a:t>Creation</a:t>
+            </a:r>
+            <a:endParaRPr lang="en-GB" dirty="0"/>
+          </a:p>
+        </p:txBody>
+      </p:sp>
+      <p:sp>
+        <p:nvSpPr>
+          <p:cNvPr id="3" name="Content Placeholder 2">
+            <a:extLst>
+              <a:ext uri="{FF2B5EF4-FFF2-40B4-BE49-F238E27FC236}">
+                <a16:creationId xmlns:a16="http://schemas.microsoft.com/office/drawing/2014/main" id="{4A52BCEE-C9E2-149E-FECC-0E07A0EEE718}"/>
+              </a:ext>
+            </a:extLst>
+          </p:cNvPr>
+          <p:cNvSpPr>
+            <a:spLocks noGrp="1"/>
+          </p:cNvSpPr>
+          <p:nvPr>
+            <p:ph idx="1"/>
+          </p:nvPr>
+        </p:nvSpPr>
+        <p:spPr/>
+        <p:txBody>
+          <a:bodyPr/>
+          <a:lstStyle/>
+          <a:p>
+            <a:pPr marL="0" indent="0">
+              <a:buNone/>
+            </a:pPr>
+            <a:r>
+              <a:rPr lang="pt-PT" dirty="0"/>
+              <a:t>- </a:t>
+            </a:r>
+            <a:r>
+              <a:rPr lang="pt-PT" dirty="0" err="1"/>
+              <a:t>Using</a:t>
+            </a:r>
+            <a:r>
+              <a:rPr lang="pt-PT" dirty="0"/>
+              <a:t> </a:t>
+            </a:r>
+            <a:r>
+              <a:rPr lang="pt-PT" dirty="0" err="1"/>
+              <a:t>the</a:t>
+            </a:r>
+            <a:r>
+              <a:rPr lang="pt-PT" dirty="0"/>
+              <a:t> </a:t>
+            </a:r>
+            <a:r>
+              <a:rPr lang="pt-PT" dirty="0" err="1"/>
+              <a:t>database</a:t>
+            </a:r>
+            <a:r>
+              <a:rPr lang="pt-PT" dirty="0"/>
+              <a:t> </a:t>
+            </a:r>
+            <a:r>
+              <a:rPr lang="pt-PT" dirty="0" err="1"/>
+              <a:t>we</a:t>
+            </a:r>
+            <a:r>
+              <a:rPr lang="pt-PT" dirty="0"/>
+              <a:t> </a:t>
+            </a:r>
+            <a:r>
+              <a:rPr lang="pt-PT" dirty="0" err="1"/>
+              <a:t>created</a:t>
+            </a:r>
+            <a:r>
+              <a:rPr lang="pt-PT" dirty="0"/>
+              <a:t>, in </a:t>
+            </a:r>
+            <a:r>
+              <a:rPr lang="pt-PT" dirty="0" err="1"/>
+              <a:t>this</a:t>
+            </a:r>
+            <a:r>
+              <a:rPr lang="pt-PT" dirty="0"/>
+              <a:t> </a:t>
+            </a:r>
+            <a:r>
+              <a:rPr lang="pt-PT" dirty="0" err="1"/>
+              <a:t>stage</a:t>
+            </a:r>
+            <a:r>
+              <a:rPr lang="pt-PT" dirty="0"/>
+              <a:t> </a:t>
+            </a:r>
+            <a:r>
+              <a:rPr lang="pt-PT" dirty="0" err="1"/>
+              <a:t>we</a:t>
+            </a:r>
+            <a:r>
+              <a:rPr lang="pt-PT" dirty="0"/>
+              <a:t> </a:t>
+            </a:r>
+            <a:r>
+              <a:rPr lang="pt-PT" dirty="0" err="1"/>
+              <a:t>created</a:t>
+            </a:r>
+            <a:r>
+              <a:rPr lang="pt-PT" dirty="0"/>
+              <a:t> a pipeline </a:t>
+            </a:r>
+            <a:r>
+              <a:rPr lang="pt-PT" dirty="0" err="1"/>
+              <a:t>using</a:t>
+            </a:r>
+            <a:r>
+              <a:rPr lang="pt-PT" dirty="0"/>
+              <a:t> </a:t>
+            </a:r>
+            <a:r>
+              <a:rPr lang="pt-PT" dirty="0" err="1"/>
+              <a:t>Python</a:t>
+            </a:r>
+            <a:r>
+              <a:rPr lang="pt-PT" dirty="0"/>
+              <a:t>, </a:t>
+            </a:r>
+            <a:r>
+              <a:rPr lang="pt-PT" dirty="0" err="1"/>
+              <a:t>so</a:t>
+            </a:r>
+            <a:r>
+              <a:rPr lang="pt-PT" dirty="0"/>
+              <a:t> </a:t>
+            </a:r>
+            <a:r>
+              <a:rPr lang="pt-PT" dirty="0" err="1"/>
+              <a:t>that</a:t>
+            </a:r>
+            <a:r>
+              <a:rPr lang="pt-PT" dirty="0"/>
+              <a:t> </a:t>
+            </a:r>
+            <a:r>
+              <a:rPr lang="pt-PT" dirty="0" err="1"/>
+              <a:t>we</a:t>
+            </a:r>
+            <a:r>
+              <a:rPr lang="pt-PT" dirty="0"/>
+              <a:t> </a:t>
+            </a:r>
+            <a:r>
+              <a:rPr lang="pt-PT" dirty="0" err="1"/>
+              <a:t>could</a:t>
+            </a:r>
+            <a:r>
+              <a:rPr lang="pt-PT" dirty="0"/>
+              <a:t> </a:t>
+            </a:r>
+            <a:r>
+              <a:rPr lang="pt-PT" dirty="0" err="1"/>
+              <a:t>start</a:t>
+            </a:r>
+            <a:r>
+              <a:rPr lang="pt-PT" dirty="0"/>
+              <a:t> </a:t>
+            </a:r>
+            <a:r>
+              <a:rPr lang="pt-PT" dirty="0" err="1"/>
+              <a:t>spliting</a:t>
+            </a:r>
+            <a:r>
+              <a:rPr lang="pt-PT" dirty="0"/>
+              <a:t> </a:t>
+            </a:r>
+            <a:r>
+              <a:rPr lang="pt-PT" dirty="0" err="1"/>
+              <a:t>the</a:t>
+            </a:r>
+            <a:r>
+              <a:rPr lang="pt-PT" dirty="0"/>
+              <a:t> data </a:t>
+            </a:r>
+            <a:r>
+              <a:rPr lang="pt-PT" dirty="0" err="1"/>
+              <a:t>into</a:t>
+            </a:r>
+            <a:r>
+              <a:rPr lang="pt-PT" dirty="0"/>
+              <a:t> training </a:t>
+            </a:r>
+            <a:r>
+              <a:rPr lang="pt-PT" dirty="0" err="1"/>
+              <a:t>and</a:t>
+            </a:r>
+            <a:r>
+              <a:rPr lang="pt-PT" dirty="0"/>
+              <a:t> </a:t>
+            </a:r>
+            <a:r>
+              <a:rPr lang="pt-PT" dirty="0" err="1"/>
+              <a:t>testing</a:t>
+            </a:r>
+            <a:r>
+              <a:rPr lang="pt-PT" dirty="0"/>
+              <a:t> sets.</a:t>
+            </a:r>
+          </a:p>
+          <a:p>
+            <a:pPr marL="0" indent="0">
+              <a:buNone/>
+            </a:pPr>
+            <a:endParaRPr lang="pt-PT" dirty="0"/>
+          </a:p>
+        </p:txBody>
+      </p:sp>
+    </p:spTree>
+    <p:extLst>
+      <p:ext uri="{BB962C8B-B14F-4D97-AF65-F5344CB8AC3E}">
+        <p14:creationId xmlns:p14="http://schemas.microsoft.com/office/powerpoint/2010/main" val="2096122929"/>
       </p:ext>
     </p:extLst>
   </p:cSld>
